--- a/Introduction to AI Assisted Programming Slides.pptx
+++ b/Introduction to AI Assisted Programming Slides.pptx
@@ -138,13 +138,45 @@
 <file path=ppt/revisionInfo.xml><?xml version="1.0" encoding="utf-8"?>
 <p1510:revInfo xmlns:a="http://schemas.openxmlformats.org/drawingml/2006/main" xmlns:r="http://schemas.openxmlformats.org/officeDocument/2006/relationships" xmlns:p1510="http://schemas.microsoft.com/office/powerpoint/2015/10/main">
   <p1510:revLst>
-    <p1510:client id="{233900DF-C175-416B-811C-16116199DB54}" v="5" dt="2024-10-29T15:14:19.955"/>
+    <p1510:client id="{4A035382-9336-4654-9ECC-B7F3E1F3B18A}" v="1" dt="2025-10-16T13:14:21.867"/>
   </p1510:revLst>
 </p1510:revInfo>
 </file>
 
 <file path=ppt/changesInfos/changesInfo1.xml><?xml version="1.0" encoding="utf-8"?>
 <pc:chgInfo xmlns:a="http://schemas.openxmlformats.org/drawingml/2006/main" xmlns:r="http://schemas.openxmlformats.org/officeDocument/2006/relationships" xmlns:ac="http://schemas.microsoft.com/office/drawing/2013/main/command" xmlns:pc="http://schemas.microsoft.com/office/powerpoint/2013/main/command">
+  <pc:docChgLst>
+    <pc:chgData name="Cooling, Chris" userId="6dcf99c9-2ba5-410a-8445-0893a3d1421f" providerId="ADAL" clId="{4A035382-9336-4654-9ECC-B7F3E1F3B18A}"/>
+    <pc:docChg chg="custSel modSld">
+      <pc:chgData name="Cooling, Chris" userId="6dcf99c9-2ba5-410a-8445-0893a3d1421f" providerId="ADAL" clId="{4A035382-9336-4654-9ECC-B7F3E1F3B18A}" dt="2025-10-16T13:14:28.339" v="5" actId="1076"/>
+      <pc:docMkLst>
+        <pc:docMk/>
+      </pc:docMkLst>
+      <pc:sldChg chg="addSp delSp modSp mod">
+        <pc:chgData name="Cooling, Chris" userId="6dcf99c9-2ba5-410a-8445-0893a3d1421f" providerId="ADAL" clId="{4A035382-9336-4654-9ECC-B7F3E1F3B18A}" dt="2025-10-16T13:14:28.339" v="5" actId="1076"/>
+        <pc:sldMkLst>
+          <pc:docMk/>
+          <pc:sldMk cId="1507190070" sldId="359"/>
+        </pc:sldMkLst>
+        <pc:picChg chg="del">
+          <ac:chgData name="Cooling, Chris" userId="6dcf99c9-2ba5-410a-8445-0893a3d1421f" providerId="ADAL" clId="{4A035382-9336-4654-9ECC-B7F3E1F3B18A}" dt="2025-10-16T13:14:21.326" v="0" actId="478"/>
+          <ac:picMkLst>
+            <pc:docMk/>
+            <pc:sldMk cId="1507190070" sldId="359"/>
+            <ac:picMk id="4" creationId="{89D60691-669D-C1E1-2567-473D504575B3}"/>
+          </ac:picMkLst>
+        </pc:picChg>
+        <pc:picChg chg="add mod">
+          <ac:chgData name="Cooling, Chris" userId="6dcf99c9-2ba5-410a-8445-0893a3d1421f" providerId="ADAL" clId="{4A035382-9336-4654-9ECC-B7F3E1F3B18A}" dt="2025-10-16T13:14:28.339" v="5" actId="1076"/>
+          <ac:picMkLst>
+            <pc:docMk/>
+            <pc:sldMk cId="1507190070" sldId="359"/>
+            <ac:picMk id="10" creationId="{E59F772E-8D41-7413-21DF-82FA14373829}"/>
+          </ac:picMkLst>
+        </pc:picChg>
+      </pc:sldChg>
+    </pc:docChg>
+  </pc:docChgLst>
   <pc:docChgLst>
     <pc:chgData name="Cooling, Chris" userId="6dcf99c9-2ba5-410a-8445-0893a3d1421f" providerId="ADAL" clId="{233900DF-C175-416B-811C-16116199DB54}"/>
     <pc:docChg chg="undo custSel addSld delSld modSld">
@@ -158,14 +190,6 @@
           <pc:docMk/>
           <pc:sldMk cId="3212729572" sldId="323"/>
         </pc:sldMkLst>
-        <pc:spChg chg="mod">
-          <ac:chgData name="Cooling, Chris" userId="6dcf99c9-2ba5-410a-8445-0893a3d1421f" providerId="ADAL" clId="{233900DF-C175-416B-811C-16116199DB54}" dt="2024-10-29T15:09:36.978" v="38" actId="20577"/>
-          <ac:spMkLst>
-            <pc:docMk/>
-            <pc:sldMk cId="3212729572" sldId="323"/>
-            <ac:spMk id="2" creationId="{82F30BFE-CB41-E791-4D9C-03A91DA1441E}"/>
-          </ac:spMkLst>
-        </pc:spChg>
       </pc:sldChg>
       <pc:sldChg chg="modSp add mod">
         <pc:chgData name="Cooling, Chris" userId="6dcf99c9-2ba5-410a-8445-0893a3d1421f" providerId="ADAL" clId="{233900DF-C175-416B-811C-16116199DB54}" dt="2024-10-29T15:14:39.498" v="133"/>
@@ -173,22 +197,6 @@
           <pc:docMk/>
           <pc:sldMk cId="380350440" sldId="326"/>
         </pc:sldMkLst>
-        <pc:spChg chg="mod">
-          <ac:chgData name="Cooling, Chris" userId="6dcf99c9-2ba5-410a-8445-0893a3d1421f" providerId="ADAL" clId="{233900DF-C175-416B-811C-16116199DB54}" dt="2024-10-29T15:14:28.237" v="132"/>
-          <ac:spMkLst>
-            <pc:docMk/>
-            <pc:sldMk cId="380350440" sldId="326"/>
-            <ac:spMk id="2" creationId="{A02310F9-D512-9C1B-E7F7-CB3B0A08472E}"/>
-          </ac:spMkLst>
-        </pc:spChg>
-        <pc:spChg chg="mod">
-          <ac:chgData name="Cooling, Chris" userId="6dcf99c9-2ba5-410a-8445-0893a3d1421f" providerId="ADAL" clId="{233900DF-C175-416B-811C-16116199DB54}" dt="2024-10-29T15:14:39.498" v="133"/>
-          <ac:spMkLst>
-            <pc:docMk/>
-            <pc:sldMk cId="380350440" sldId="326"/>
-            <ac:spMk id="3" creationId="{D096B32E-0CD9-F2D8-2306-5FCD14471B2C}"/>
-          </ac:spMkLst>
-        </pc:spChg>
       </pc:sldChg>
       <pc:sldChg chg="modSp mod">
         <pc:chgData name="Cooling, Chris" userId="6dcf99c9-2ba5-410a-8445-0893a3d1421f" providerId="ADAL" clId="{233900DF-C175-416B-811C-16116199DB54}" dt="2024-10-29T15:11:33.709" v="48" actId="113"/>
@@ -196,14 +204,6 @@
           <pc:docMk/>
           <pc:sldMk cId="16407505" sldId="361"/>
         </pc:sldMkLst>
-        <pc:spChg chg="mod">
-          <ac:chgData name="Cooling, Chris" userId="6dcf99c9-2ba5-410a-8445-0893a3d1421f" providerId="ADAL" clId="{233900DF-C175-416B-811C-16116199DB54}" dt="2024-10-29T15:11:33.709" v="48" actId="113"/>
-          <ac:spMkLst>
-            <pc:docMk/>
-            <pc:sldMk cId="16407505" sldId="361"/>
-            <ac:spMk id="3" creationId="{3059243C-26C4-B42B-1D89-75DB3A5CA945}"/>
-          </ac:spMkLst>
-        </pc:spChg>
       </pc:sldChg>
       <pc:sldChg chg="del">
         <pc:chgData name="Cooling, Chris" userId="6dcf99c9-2ba5-410a-8445-0893a3d1421f" providerId="ADAL" clId="{233900DF-C175-416B-811C-16116199DB54}" dt="2024-10-29T15:10:13.817" v="39" actId="2696"/>
@@ -218,14 +218,6 @@
           <pc:docMk/>
           <pc:sldMk cId="3343614994" sldId="408"/>
         </pc:sldMkLst>
-        <pc:spChg chg="mod">
-          <ac:chgData name="Cooling, Chris" userId="6dcf99c9-2ba5-410a-8445-0893a3d1421f" providerId="ADAL" clId="{233900DF-C175-416B-811C-16116199DB54}" dt="2024-10-29T15:13:38.661" v="130" actId="20577"/>
-          <ac:spMkLst>
-            <pc:docMk/>
-            <pc:sldMk cId="3343614994" sldId="408"/>
-            <ac:spMk id="3" creationId="{3059243C-26C4-B42B-1D89-75DB3A5CA945}"/>
-          </ac:spMkLst>
-        </pc:spChg>
       </pc:sldChg>
     </pc:docChg>
   </pc:docChgLst>
@@ -314,7 +306,7 @@
           <a:p>
             <a:fld id="{D2E0D2A8-8F95-47C2-ABE1-A779F5A43C98}" type="datetimeFigureOut">
               <a:rPr lang="en-US" smtClean="0"/>
-              <a:t>10/29/2024</a:t>
+              <a:t>10/16/2025</a:t>
             </a:fld>
             <a:endParaRPr lang="en-US"/>
           </a:p>
@@ -1216,7 +1208,7 @@
           <a:p>
             <a:fld id="{8B657A42-A972-40C4-B9DD-D0914FC74315}" type="datetime1">
               <a:rPr lang="en-GB" smtClean="0"/>
-              <a:t>29/10/2024</a:t>
+              <a:t>16/10/2025</a:t>
             </a:fld>
             <a:endParaRPr lang="en-GB"/>
           </a:p>
@@ -1542,7 +1534,7 @@
           <a:p>
             <a:fld id="{AB06FF05-DC6B-4898-9B89-E18A52AA7DC1}" type="datetime1">
               <a:rPr lang="en-GB" smtClean="0"/>
-              <a:t>29/10/2024</a:t>
+              <a:t>16/10/2025</a:t>
             </a:fld>
             <a:endParaRPr lang="en-GB"/>
           </a:p>
@@ -1870,7 +1862,7 @@
           <a:p>
             <a:fld id="{135754F1-9A72-4E8C-A00B-56CCA23D2334}" type="datetime1">
               <a:rPr lang="en-GB" smtClean="0"/>
-              <a:t>29/10/2024</a:t>
+              <a:t>16/10/2025</a:t>
             </a:fld>
             <a:endParaRPr lang="en-GB"/>
           </a:p>
@@ -2246,7 +2238,7 @@
           <a:p>
             <a:fld id="{59EFCA73-57DA-427B-8AAF-6BA0261BCAB8}" type="datetime1">
               <a:rPr lang="en-GB" smtClean="0"/>
-              <a:t>29/10/2024</a:t>
+              <a:t>16/10/2025</a:t>
             </a:fld>
             <a:endParaRPr lang="en-GB"/>
           </a:p>
@@ -2629,7 +2621,7 @@
           <a:p>
             <a:fld id="{F2378310-F801-4DC0-8E48-82422E8BD799}" type="datetime1">
               <a:rPr lang="en-GB" smtClean="0"/>
-              <a:t>29/10/2024</a:t>
+              <a:t>16/10/2025</a:t>
             </a:fld>
             <a:endParaRPr lang="en-GB"/>
           </a:p>
@@ -3014,7 +3006,7 @@
           <a:p>
             <a:fld id="{2EB4BB13-7895-49E9-AB8C-8E0E8025356B}" type="datetime1">
               <a:rPr lang="en-GB" smtClean="0"/>
-              <a:t>29/10/2024</a:t>
+              <a:t>16/10/2025</a:t>
             </a:fld>
             <a:endParaRPr lang="en-GB"/>
           </a:p>
@@ -3241,7 +3233,7 @@
           <a:p>
             <a:fld id="{A29BD8B8-F461-4EFE-963B-9E961A18021F}" type="datetime1">
               <a:rPr lang="en-GB" smtClean="0"/>
-              <a:t>29/10/2024</a:t>
+              <a:t>16/10/2025</a:t>
             </a:fld>
             <a:endParaRPr lang="en-GB"/>
           </a:p>
@@ -3739,7 +3731,7 @@
           <a:p>
             <a:fld id="{4C8E4D3C-C67B-4EB7-BFE5-ECD2A74A8E1B}" type="datetime1">
               <a:rPr lang="en-GB" smtClean="0"/>
-              <a:t>29/10/2024</a:t>
+              <a:t>16/10/2025</a:t>
             </a:fld>
             <a:endParaRPr lang="en-GB"/>
           </a:p>
@@ -4239,7 +4231,7 @@
           <a:p>
             <a:fld id="{41CF59D5-5A0A-4ED0-B804-DA666F03CA1F}" type="datetime1">
               <a:rPr lang="en-GB" smtClean="0"/>
-              <a:t>29/10/2024</a:t>
+              <a:t>16/10/2025</a:t>
             </a:fld>
             <a:endParaRPr lang="en-GB"/>
           </a:p>
@@ -4729,7 +4721,7 @@
           <a:p>
             <a:fld id="{16E05F7D-6D26-44F8-841F-052726E23689}" type="datetime1">
               <a:rPr lang="en-GB" smtClean="0"/>
-              <a:t>29/10/2024</a:t>
+              <a:t>16/10/2025</a:t>
             </a:fld>
             <a:endParaRPr lang="en-GB"/>
           </a:p>
@@ -5540,7 +5532,7 @@
           <a:p>
             <a:fld id="{DF1FC705-8F10-4987-94C2-45EF64447951}" type="datetime1">
               <a:rPr lang="en-GB" smtClean="0"/>
-              <a:t>29/10/2024</a:t>
+              <a:t>16/10/2025</a:t>
             </a:fld>
             <a:endParaRPr lang="en-GB"/>
           </a:p>
@@ -6157,7 +6149,7 @@
           <a:p>
             <a:fld id="{81AB0282-ADA5-4279-8AF5-FD2602BD02E1}" type="datetime1">
               <a:rPr lang="en-GB" smtClean="0"/>
-              <a:t>29/10/2024</a:t>
+              <a:t>16/10/2025</a:t>
             </a:fld>
             <a:endParaRPr lang="en-GB"/>
           </a:p>
@@ -6777,7 +6769,7 @@
           <a:p>
             <a:fld id="{CF6B8527-9C5B-4EC2-9C8A-73DBC22D3285}" type="datetime1">
               <a:rPr lang="en-GB" smtClean="0"/>
-              <a:t>29/10/2024</a:t>
+              <a:t>16/10/2025</a:t>
             </a:fld>
             <a:endParaRPr lang="en-GB"/>
           </a:p>
@@ -6948,7 +6940,7 @@
           <a:p>
             <a:fld id="{5877177E-8AF1-4C22-B3A9-CFC88EC5B560}" type="datetime1">
               <a:rPr lang="en-GB" smtClean="0"/>
-              <a:t>29/10/2024</a:t>
+              <a:t>16/10/2025</a:t>
             </a:fld>
             <a:endParaRPr lang="en-GB"/>
           </a:p>
@@ -7121,7 +7113,7 @@
           <a:p>
             <a:fld id="{C74B48B1-0E30-4098-8D38-42BE4C9AF21E}" type="datetime1">
               <a:rPr lang="en-GB" smtClean="0"/>
-              <a:t>29/10/2024</a:t>
+              <a:t>16/10/2025</a:t>
             </a:fld>
             <a:endParaRPr lang="en-GB"/>
           </a:p>
@@ -7300,7 +7292,7 @@
           <a:p>
             <a:fld id="{519D6801-89D7-417F-85DF-C16A2E39C294}" type="datetime1">
               <a:rPr lang="en-GB" smtClean="0"/>
-              <a:t>29/10/2024</a:t>
+              <a:t>16/10/2025</a:t>
             </a:fld>
             <a:endParaRPr lang="en-GB" dirty="0"/>
           </a:p>
@@ -7494,7 +7486,7 @@
           <a:p>
             <a:fld id="{0469A95D-CA21-4505-B563-C017F16DC961}" type="datetime1">
               <a:rPr lang="en-GB" smtClean="0"/>
-              <a:t>29/10/2024</a:t>
+              <a:t>16/10/2025</a:t>
             </a:fld>
             <a:endParaRPr lang="en-GB" dirty="0"/>
           </a:p>
@@ -7774,7 +7766,7 @@
           <a:p>
             <a:fld id="{CA35F6A9-2C8D-4FB9-B924-FE658DB02DD5}" type="datetime1">
               <a:rPr lang="en-GB" smtClean="0"/>
-              <a:t>29/10/2024</a:t>
+              <a:t>16/10/2025</a:t>
             </a:fld>
             <a:endParaRPr lang="en-GB" dirty="0"/>
           </a:p>
@@ -8055,7 +8047,7 @@
           <a:p>
             <a:fld id="{4B0A7020-E4C6-40DD-9E69-0DC13C82416A}" type="datetime1">
               <a:rPr lang="en-GB" smtClean="0"/>
-              <a:t>29/10/2024</a:t>
+              <a:t>16/10/2025</a:t>
             </a:fld>
             <a:endParaRPr lang="en-GB" dirty="0"/>
           </a:p>
@@ -8335,7 +8327,7 @@
           <a:p>
             <a:fld id="{8E202B61-819F-4215-B495-E3A0EFD6EC07}" type="datetime1">
               <a:rPr lang="en-GB" smtClean="0"/>
-              <a:t>29/10/2024</a:t>
+              <a:t>16/10/2025</a:t>
             </a:fld>
             <a:endParaRPr lang="en-GB" dirty="0"/>
           </a:p>
@@ -8811,7 +8803,7 @@
           <a:p>
             <a:fld id="{86B9E15F-062C-43EE-BC48-353830617963}" type="datetime1">
               <a:rPr lang="en-GB" smtClean="0"/>
-              <a:t>29/10/2024</a:t>
+              <a:t>16/10/2025</a:t>
             </a:fld>
             <a:endParaRPr lang="en-GB" dirty="0"/>
           </a:p>
@@ -9091,7 +9083,7 @@
           <a:p>
             <a:fld id="{DAA18657-9DEE-4C6F-B402-5FA5E455182F}" type="datetime1">
               <a:rPr lang="en-GB" smtClean="0"/>
-              <a:t>29/10/2024</a:t>
+              <a:t>16/10/2025</a:t>
             </a:fld>
             <a:endParaRPr lang="en-GB" dirty="0"/>
           </a:p>
@@ -9371,7 +9363,7 @@
           <a:p>
             <a:fld id="{254704C0-6751-42CD-9A31-40B3572790F8}" type="datetime1">
               <a:rPr lang="en-GB" smtClean="0"/>
-              <a:t>29/10/2024</a:t>
+              <a:t>16/10/2025</a:t>
             </a:fld>
             <a:endParaRPr lang="en-GB" dirty="0"/>
           </a:p>
@@ -9635,7 +9627,7 @@
           <a:p>
             <a:fld id="{53A11063-EA65-485C-8301-8FA43B13787D}" type="datetime1">
               <a:rPr lang="en-GB" smtClean="0"/>
-              <a:t>29/10/2024</a:t>
+              <a:t>16/10/2025</a:t>
             </a:fld>
             <a:endParaRPr lang="en-GB"/>
           </a:p>
@@ -10023,7 +10015,7 @@
           <a:p>
             <a:fld id="{891233F8-046B-4A5C-9007-1F1AD2775381}" type="datetime1">
               <a:rPr lang="en-GB" smtClean="0"/>
-              <a:t>29/10/2024</a:t>
+              <a:t>16/10/2025</a:t>
             </a:fld>
             <a:endParaRPr lang="en-GB"/>
           </a:p>
@@ -10405,7 +10397,7 @@
           <a:p>
             <a:fld id="{509D0F34-3D43-4B8D-ADA4-14CCBB8EDF22}" type="datetime1">
               <a:rPr lang="en-GB" smtClean="0"/>
-              <a:t>29/10/2024</a:t>
+              <a:t>16/10/2025</a:t>
             </a:fld>
             <a:endParaRPr lang="en-GB"/>
           </a:p>
@@ -10777,7 +10769,7 @@
           <a:p>
             <a:fld id="{CC0B6343-0655-4443-A8B8-A4BAB6D8C07F}" type="datetime1">
               <a:rPr lang="en-GB" smtClean="0"/>
-              <a:t>29/10/2024</a:t>
+              <a:t>16/10/2025</a:t>
             </a:fld>
             <a:endParaRPr lang="en-GB"/>
           </a:p>
@@ -11184,7 +11176,7 @@
           <a:p>
             <a:fld id="{31F8F412-10EA-4CFB-B14E-09F2321FCDAD}" type="datetime1">
               <a:rPr lang="en-GB" smtClean="0"/>
-              <a:t>29/10/2024</a:t>
+              <a:t>16/10/2025</a:t>
             </a:fld>
             <a:endParaRPr lang="en-GB"/>
           </a:p>
@@ -11593,7 +11585,7 @@
           <a:p>
             <a:fld id="{4C573020-A5A2-4737-BF13-CE65F5A16124}" type="datetime1">
               <a:rPr lang="en-GB" smtClean="0"/>
-              <a:t>29/10/2024</a:t>
+              <a:t>16/10/2025</a:t>
             </a:fld>
             <a:endParaRPr lang="en-GB"/>
           </a:p>
@@ -11992,7 +11984,7 @@
           <a:p>
             <a:fld id="{7BCCFEAB-E41D-496F-89F1-067636B26939}" type="datetime1">
               <a:rPr lang="en-GB" smtClean="0"/>
-              <a:t>29/10/2024</a:t>
+              <a:t>16/10/2025</a:t>
             </a:fld>
             <a:endParaRPr lang="en-GB"/>
           </a:p>
@@ -12790,7 +12782,7 @@
           <a:p>
             <a:fld id="{235429AD-E80D-43F0-B8C4-A0437D212C50}" type="datetime1">
               <a:rPr lang="en-GB" smtClean="0"/>
-              <a:t>29/10/2024</a:t>
+              <a:t>16/10/2025</a:t>
             </a:fld>
             <a:endParaRPr lang="en-GB"/>
           </a:p>
@@ -13394,7 +13386,7 @@
           <a:p>
             <a:fld id="{5F4367D8-780F-4511-BB7C-6B1768D5D31D}" type="datetime1">
               <a:rPr lang="en-GB" smtClean="0"/>
-              <a:t>29/10/2024</a:t>
+              <a:t>16/10/2025</a:t>
             </a:fld>
             <a:endParaRPr lang="en-GB"/>
           </a:p>
@@ -13988,7 +13980,7 @@
           <a:p>
             <a:fld id="{8C8846E4-2B70-40A4-9433-835E504C5B78}" type="datetime1">
               <a:rPr lang="en-GB" smtClean="0"/>
-              <a:t>29/10/2024</a:t>
+              <a:t>16/10/2025</a:t>
             </a:fld>
             <a:endParaRPr lang="en-GB"/>
           </a:p>
@@ -14325,7 +14317,7 @@
           <a:p>
             <a:fld id="{493A7CCF-39F1-49A0-AEF4-5081CE998F77}" type="datetime1">
               <a:rPr lang="en-GB" smtClean="0"/>
-              <a:t>29/10/2024</a:t>
+              <a:t>16/10/2025</a:t>
             </a:fld>
             <a:endParaRPr lang="en-GB"/>
           </a:p>
@@ -14664,7 +14656,7 @@
           <a:p>
             <a:fld id="{3B57BA70-6322-43C1-94DC-D039B39CB1E5}" type="datetime1">
               <a:rPr lang="en-GB" smtClean="0"/>
-              <a:t>29/10/2024</a:t>
+              <a:t>16/10/2025</a:t>
             </a:fld>
             <a:endParaRPr lang="en-GB"/>
           </a:p>
@@ -14993,7 +14985,7 @@
           <a:p>
             <a:fld id="{6947DAFE-DBA1-4A09-A49F-E636C08D284D}" type="datetime1">
               <a:rPr lang="en-GB" smtClean="0"/>
-              <a:t>29/10/2024</a:t>
+              <a:t>16/10/2025</a:t>
             </a:fld>
             <a:endParaRPr lang="en-GB"/>
           </a:p>
@@ -15330,7 +15322,7 @@
           <a:p>
             <a:fld id="{8D0F3E9D-2DE3-4D5A-B05F-D877DED77C25}" type="datetime1">
               <a:rPr lang="en-GB" smtClean="0"/>
-              <a:t>29/10/2024</a:t>
+              <a:t>16/10/2025</a:t>
             </a:fld>
             <a:endParaRPr lang="en-GB"/>
           </a:p>
@@ -15669,7 +15661,7 @@
           <a:p>
             <a:fld id="{AD2A17EE-44C4-4272-8C98-5EA8DB2CCCF7}" type="datetime1">
               <a:rPr lang="en-GB" smtClean="0"/>
-              <a:t>29/10/2024</a:t>
+              <a:t>16/10/2025</a:t>
             </a:fld>
             <a:endParaRPr lang="en-GB"/>
           </a:p>
@@ -15998,7 +15990,7 @@
           <a:p>
             <a:fld id="{E6057D5B-8344-4F1A-A53D-3F06760A22EE}" type="datetime1">
               <a:rPr lang="en-GB" smtClean="0"/>
-              <a:t>29/10/2024</a:t>
+              <a:t>16/10/2025</a:t>
             </a:fld>
             <a:endParaRPr lang="en-GB"/>
           </a:p>
@@ -16236,7 +16228,7 @@
           <a:p>
             <a:fld id="{C79F500A-5FD8-4195-B64D-0864905B7984}" type="datetime1">
               <a:rPr lang="en-GB" smtClean="0"/>
-              <a:t>29/10/2024</a:t>
+              <a:t>16/10/2025</a:t>
             </a:fld>
             <a:endParaRPr lang="en-GB"/>
           </a:p>
@@ -16672,7 +16664,7 @@
           <a:p>
             <a:fld id="{FC423EE5-1C17-4720-B7BE-8168A6010685}" type="datetime1">
               <a:rPr lang="en-GB" smtClean="0"/>
-              <a:t>29/10/2024</a:t>
+              <a:t>16/10/2025</a:t>
             </a:fld>
             <a:endParaRPr lang="en-GB"/>
           </a:p>
@@ -17210,7 +17202,7 @@
           <a:p>
             <a:fld id="{3A4CB9A5-C3AC-4504-8448-61A4C8BF47B3}" type="datetime1">
               <a:rPr lang="en-GB" smtClean="0"/>
-              <a:t>29/10/2024</a:t>
+              <a:t>16/10/2025</a:t>
             </a:fld>
             <a:endParaRPr lang="en-GB"/>
           </a:p>
@@ -17489,7 +17481,7 @@
           <a:p>
             <a:fld id="{947FB866-F309-4A67-BBFB-24B323CE3DCA}" type="datetime1">
               <a:rPr lang="en-GB" smtClean="0"/>
-              <a:t>29/10/2024</a:t>
+              <a:t>16/10/2025</a:t>
             </a:fld>
             <a:endParaRPr lang="en-GB"/>
           </a:p>
@@ -17774,7 +17766,7 @@
           <a:p>
             <a:fld id="{BF7F0BEB-5319-417C-B3A4-624E5500047F}" type="datetime1">
               <a:rPr lang="en-GB" smtClean="0"/>
-              <a:t>29/10/2024</a:t>
+              <a:t>16/10/2025</a:t>
             </a:fld>
             <a:endParaRPr lang="en-GB"/>
           </a:p>
@@ -18067,7 +18059,7 @@
           <a:p>
             <a:fld id="{AD1C1943-ED58-4788-AEE8-DFB94F3B02E6}" type="datetime1">
               <a:rPr lang="en-GB" smtClean="0"/>
-              <a:t>29/10/2024</a:t>
+              <a:t>16/10/2025</a:t>
             </a:fld>
             <a:endParaRPr lang="en-GB"/>
           </a:p>
@@ -18484,7 +18476,7 @@
           <a:p>
             <a:fld id="{DBBF74BF-A73C-47DF-B6E5-A9970CAB19EA}" type="datetime1">
               <a:rPr lang="en-GB" smtClean="0"/>
-              <a:t>29/10/2024</a:t>
+              <a:t>16/10/2025</a:t>
             </a:fld>
             <a:endParaRPr lang="en-GB" dirty="0"/>
           </a:p>
@@ -19272,7 +19264,7 @@
           <a:p>
             <a:fld id="{C718BC38-C27E-42ED-B708-4E08619BA91D}" type="datetime1">
               <a:rPr lang="en-GB" smtClean="0"/>
-              <a:t>29/10/2024</a:t>
+              <a:t>16/10/2025</a:t>
             </a:fld>
             <a:endParaRPr lang="en-GB"/>
           </a:p>
@@ -19607,7 +19599,7 @@
           <a:p>
             <a:fld id="{D61E177E-917F-4329-8599-0FCAC72F92F2}" type="datetime1">
               <a:rPr lang="en-GB" smtClean="0"/>
-              <a:t>29/10/2024</a:t>
+              <a:t>16/10/2025</a:t>
             </a:fld>
             <a:endParaRPr lang="en-GB"/>
           </a:p>
@@ -19930,7 +19922,7 @@
           <a:p>
             <a:fld id="{80893C79-CCCD-4BDD-989B-0A3D05D1E3C5}" type="datetime1">
               <a:rPr lang="en-GB" smtClean="0"/>
-              <a:t>29/10/2024</a:t>
+              <a:t>16/10/2025</a:t>
             </a:fld>
             <a:endParaRPr lang="en-GB"/>
           </a:p>
@@ -20096,7 +20088,7 @@
           <a:p>
             <a:fld id="{BBEFB9E1-F59E-4B1E-AB8B-98B6DECF71D9}" type="datetime1">
               <a:rPr lang="en-GB" smtClean="0"/>
-              <a:t>29/10/2024</a:t>
+              <a:t>16/10/2025</a:t>
             </a:fld>
             <a:endParaRPr lang="en-GB"/>
           </a:p>
@@ -20310,10 +20302,10 @@
       </p:sp>
       <p:pic>
         <p:nvPicPr>
-          <p:cNvPr id="4" name="Picture 3" descr="Qr code&#10;&#10;Description automatically generated">
-            <a:extLst>
-              <a:ext uri="{FF2B5EF4-FFF2-40B4-BE49-F238E27FC236}">
-                <a16:creationId xmlns:a16="http://schemas.microsoft.com/office/drawing/2014/main" id="{89D60691-669D-C1E1-2567-473D504575B3}"/>
+          <p:cNvPr id="10" name="Picture 9" descr="A qr code on a white background&#10;&#10;AI-generated content may be incorrect.">
+            <a:extLst>
+              <a:ext uri="{FF2B5EF4-FFF2-40B4-BE49-F238E27FC236}">
+                <a16:creationId xmlns:a16="http://schemas.microsoft.com/office/drawing/2014/main" id="{E59F772E-8D41-7413-21DF-82FA14373829}"/>
               </a:ext>
             </a:extLst>
           </p:cNvPr>
@@ -20323,15 +20315,21 @@
           <p:nvPr/>
         </p:nvPicPr>
         <p:blipFill>
-          <a:blip r:embed="rId4"/>
+          <a:blip r:embed="rId4">
+            <a:extLst>
+              <a:ext uri="{28A0092B-C50C-407E-A947-70E740481C1C}">
+                <a14:useLocalDpi xmlns:a14="http://schemas.microsoft.com/office/drawing/2010/main" val="0"/>
+              </a:ext>
+            </a:extLst>
+          </a:blip>
           <a:stretch>
             <a:fillRect/>
           </a:stretch>
         </p:blipFill>
         <p:spPr>
           <a:xfrm>
-            <a:off x="734518" y="1420597"/>
-            <a:ext cx="4307349" cy="4307349"/>
+            <a:off x="220968" y="996285"/>
+            <a:ext cx="5167745" cy="5167745"/>
           </a:xfrm>
           <a:prstGeom prst="rect">
             <a:avLst/>

--- a/Introduction to AI Assisted Programming Slides.pptx
+++ b/Introduction to AI Assisted Programming Slides.pptx
@@ -138,7 +138,7 @@
 <file path=ppt/revisionInfo.xml><?xml version="1.0" encoding="utf-8"?>
 <p1510:revInfo xmlns:a="http://schemas.openxmlformats.org/drawingml/2006/main" xmlns:r="http://schemas.openxmlformats.org/officeDocument/2006/relationships" xmlns:p1510="http://schemas.microsoft.com/office/powerpoint/2015/10/main">
   <p1510:revLst>
-    <p1510:client id="{4A035382-9336-4654-9ECC-B7F3E1F3B18A}" v="1" dt="2025-10-16T13:14:21.867"/>
+    <p1510:client id="{4A035382-9336-4654-9ECC-B7F3E1F3B18A}" v="3" dt="2025-10-24T08:50:54.675"/>
   </p1510:revLst>
 </p1510:revInfo>
 </file>
@@ -148,24 +148,24 @@
   <pc:docChgLst>
     <pc:chgData name="Cooling, Chris" userId="6dcf99c9-2ba5-410a-8445-0893a3d1421f" providerId="ADAL" clId="{4A035382-9336-4654-9ECC-B7F3E1F3B18A}"/>
     <pc:docChg chg="custSel modSld">
-      <pc:chgData name="Cooling, Chris" userId="6dcf99c9-2ba5-410a-8445-0893a3d1421f" providerId="ADAL" clId="{4A035382-9336-4654-9ECC-B7F3E1F3B18A}" dt="2025-10-16T13:14:28.339" v="5" actId="1076"/>
+      <pc:chgData name="Cooling, Chris" userId="6dcf99c9-2ba5-410a-8445-0893a3d1421f" providerId="ADAL" clId="{4A035382-9336-4654-9ECC-B7F3E1F3B18A}" dt="2025-10-24T08:50:54.670" v="7" actId="20577"/>
       <pc:docMkLst>
         <pc:docMk/>
       </pc:docMkLst>
       <pc:sldChg chg="addSp delSp modSp mod">
-        <pc:chgData name="Cooling, Chris" userId="6dcf99c9-2ba5-410a-8445-0893a3d1421f" providerId="ADAL" clId="{4A035382-9336-4654-9ECC-B7F3E1F3B18A}" dt="2025-10-16T13:14:28.339" v="5" actId="1076"/>
+        <pc:chgData name="Cooling, Chris" userId="6dcf99c9-2ba5-410a-8445-0893a3d1421f" providerId="ADAL" clId="{4A035382-9336-4654-9ECC-B7F3E1F3B18A}" dt="2025-10-24T08:50:54.670" v="7" actId="20577"/>
         <pc:sldMkLst>
           <pc:docMk/>
           <pc:sldMk cId="1507190070" sldId="359"/>
         </pc:sldMkLst>
-        <pc:picChg chg="del">
-          <ac:chgData name="Cooling, Chris" userId="6dcf99c9-2ba5-410a-8445-0893a3d1421f" providerId="ADAL" clId="{4A035382-9336-4654-9ECC-B7F3E1F3B18A}" dt="2025-10-16T13:14:21.326" v="0" actId="478"/>
-          <ac:picMkLst>
+        <pc:spChg chg="mod">
+          <ac:chgData name="Cooling, Chris" userId="6dcf99c9-2ba5-410a-8445-0893a3d1421f" providerId="ADAL" clId="{4A035382-9336-4654-9ECC-B7F3E1F3B18A}" dt="2025-10-24T08:50:54.670" v="7" actId="20577"/>
+          <ac:spMkLst>
             <pc:docMk/>
             <pc:sldMk cId="1507190070" sldId="359"/>
-            <ac:picMk id="4" creationId="{89D60691-669D-C1E1-2567-473D504575B3}"/>
-          </ac:picMkLst>
-        </pc:picChg>
+            <ac:spMk id="6" creationId="{F67B57BE-29B8-B7BA-15CB-930F83F6EB26}"/>
+          </ac:spMkLst>
+        </pc:spChg>
         <pc:picChg chg="add mod">
           <ac:chgData name="Cooling, Chris" userId="6dcf99c9-2ba5-410a-8445-0893a3d1421f" providerId="ADAL" clId="{4A035382-9336-4654-9ECC-B7F3E1F3B18A}" dt="2025-10-16T13:14:28.339" v="5" actId="1076"/>
           <ac:picMkLst>
@@ -306,7 +306,7 @@
           <a:p>
             <a:fld id="{D2E0D2A8-8F95-47C2-ABE1-A779F5A43C98}" type="datetimeFigureOut">
               <a:rPr lang="en-US" smtClean="0"/>
-              <a:t>10/16/2025</a:t>
+              <a:t>10/24/2025</a:t>
             </a:fld>
             <a:endParaRPr lang="en-US"/>
           </a:p>
@@ -1208,7 +1208,7 @@
           <a:p>
             <a:fld id="{8B657A42-A972-40C4-B9DD-D0914FC74315}" type="datetime1">
               <a:rPr lang="en-GB" smtClean="0"/>
-              <a:t>16/10/2025</a:t>
+              <a:t>24/10/2025</a:t>
             </a:fld>
             <a:endParaRPr lang="en-GB"/>
           </a:p>
@@ -1534,7 +1534,7 @@
           <a:p>
             <a:fld id="{AB06FF05-DC6B-4898-9B89-E18A52AA7DC1}" type="datetime1">
               <a:rPr lang="en-GB" smtClean="0"/>
-              <a:t>16/10/2025</a:t>
+              <a:t>24/10/2025</a:t>
             </a:fld>
             <a:endParaRPr lang="en-GB"/>
           </a:p>
@@ -1862,7 +1862,7 @@
           <a:p>
             <a:fld id="{135754F1-9A72-4E8C-A00B-56CCA23D2334}" type="datetime1">
               <a:rPr lang="en-GB" smtClean="0"/>
-              <a:t>16/10/2025</a:t>
+              <a:t>24/10/2025</a:t>
             </a:fld>
             <a:endParaRPr lang="en-GB"/>
           </a:p>
@@ -2238,7 +2238,7 @@
           <a:p>
             <a:fld id="{59EFCA73-57DA-427B-8AAF-6BA0261BCAB8}" type="datetime1">
               <a:rPr lang="en-GB" smtClean="0"/>
-              <a:t>16/10/2025</a:t>
+              <a:t>24/10/2025</a:t>
             </a:fld>
             <a:endParaRPr lang="en-GB"/>
           </a:p>
@@ -2621,7 +2621,7 @@
           <a:p>
             <a:fld id="{F2378310-F801-4DC0-8E48-82422E8BD799}" type="datetime1">
               <a:rPr lang="en-GB" smtClean="0"/>
-              <a:t>16/10/2025</a:t>
+              <a:t>24/10/2025</a:t>
             </a:fld>
             <a:endParaRPr lang="en-GB"/>
           </a:p>
@@ -3006,7 +3006,7 @@
           <a:p>
             <a:fld id="{2EB4BB13-7895-49E9-AB8C-8E0E8025356B}" type="datetime1">
               <a:rPr lang="en-GB" smtClean="0"/>
-              <a:t>16/10/2025</a:t>
+              <a:t>24/10/2025</a:t>
             </a:fld>
             <a:endParaRPr lang="en-GB"/>
           </a:p>
@@ -3233,7 +3233,7 @@
           <a:p>
             <a:fld id="{A29BD8B8-F461-4EFE-963B-9E961A18021F}" type="datetime1">
               <a:rPr lang="en-GB" smtClean="0"/>
-              <a:t>16/10/2025</a:t>
+              <a:t>24/10/2025</a:t>
             </a:fld>
             <a:endParaRPr lang="en-GB"/>
           </a:p>
@@ -3731,7 +3731,7 @@
           <a:p>
             <a:fld id="{4C8E4D3C-C67B-4EB7-BFE5-ECD2A74A8E1B}" type="datetime1">
               <a:rPr lang="en-GB" smtClean="0"/>
-              <a:t>16/10/2025</a:t>
+              <a:t>24/10/2025</a:t>
             </a:fld>
             <a:endParaRPr lang="en-GB"/>
           </a:p>
@@ -4231,7 +4231,7 @@
           <a:p>
             <a:fld id="{41CF59D5-5A0A-4ED0-B804-DA666F03CA1F}" type="datetime1">
               <a:rPr lang="en-GB" smtClean="0"/>
-              <a:t>16/10/2025</a:t>
+              <a:t>24/10/2025</a:t>
             </a:fld>
             <a:endParaRPr lang="en-GB"/>
           </a:p>
@@ -4721,7 +4721,7 @@
           <a:p>
             <a:fld id="{16E05F7D-6D26-44F8-841F-052726E23689}" type="datetime1">
               <a:rPr lang="en-GB" smtClean="0"/>
-              <a:t>16/10/2025</a:t>
+              <a:t>24/10/2025</a:t>
             </a:fld>
             <a:endParaRPr lang="en-GB"/>
           </a:p>
@@ -5532,7 +5532,7 @@
           <a:p>
             <a:fld id="{DF1FC705-8F10-4987-94C2-45EF64447951}" type="datetime1">
               <a:rPr lang="en-GB" smtClean="0"/>
-              <a:t>16/10/2025</a:t>
+              <a:t>24/10/2025</a:t>
             </a:fld>
             <a:endParaRPr lang="en-GB"/>
           </a:p>
@@ -6149,7 +6149,7 @@
           <a:p>
             <a:fld id="{81AB0282-ADA5-4279-8AF5-FD2602BD02E1}" type="datetime1">
               <a:rPr lang="en-GB" smtClean="0"/>
-              <a:t>16/10/2025</a:t>
+              <a:t>24/10/2025</a:t>
             </a:fld>
             <a:endParaRPr lang="en-GB"/>
           </a:p>
@@ -6769,7 +6769,7 @@
           <a:p>
             <a:fld id="{CF6B8527-9C5B-4EC2-9C8A-73DBC22D3285}" type="datetime1">
               <a:rPr lang="en-GB" smtClean="0"/>
-              <a:t>16/10/2025</a:t>
+              <a:t>24/10/2025</a:t>
             </a:fld>
             <a:endParaRPr lang="en-GB"/>
           </a:p>
@@ -6940,7 +6940,7 @@
           <a:p>
             <a:fld id="{5877177E-8AF1-4C22-B3A9-CFC88EC5B560}" type="datetime1">
               <a:rPr lang="en-GB" smtClean="0"/>
-              <a:t>16/10/2025</a:t>
+              <a:t>24/10/2025</a:t>
             </a:fld>
             <a:endParaRPr lang="en-GB"/>
           </a:p>
@@ -7113,7 +7113,7 @@
           <a:p>
             <a:fld id="{C74B48B1-0E30-4098-8D38-42BE4C9AF21E}" type="datetime1">
               <a:rPr lang="en-GB" smtClean="0"/>
-              <a:t>16/10/2025</a:t>
+              <a:t>24/10/2025</a:t>
             </a:fld>
             <a:endParaRPr lang="en-GB"/>
           </a:p>
@@ -7292,7 +7292,7 @@
           <a:p>
             <a:fld id="{519D6801-89D7-417F-85DF-C16A2E39C294}" type="datetime1">
               <a:rPr lang="en-GB" smtClean="0"/>
-              <a:t>16/10/2025</a:t>
+              <a:t>24/10/2025</a:t>
             </a:fld>
             <a:endParaRPr lang="en-GB" dirty="0"/>
           </a:p>
@@ -7486,7 +7486,7 @@
           <a:p>
             <a:fld id="{0469A95D-CA21-4505-B563-C017F16DC961}" type="datetime1">
               <a:rPr lang="en-GB" smtClean="0"/>
-              <a:t>16/10/2025</a:t>
+              <a:t>24/10/2025</a:t>
             </a:fld>
             <a:endParaRPr lang="en-GB" dirty="0"/>
           </a:p>
@@ -7766,7 +7766,7 @@
           <a:p>
             <a:fld id="{CA35F6A9-2C8D-4FB9-B924-FE658DB02DD5}" type="datetime1">
               <a:rPr lang="en-GB" smtClean="0"/>
-              <a:t>16/10/2025</a:t>
+              <a:t>24/10/2025</a:t>
             </a:fld>
             <a:endParaRPr lang="en-GB" dirty="0"/>
           </a:p>
@@ -8047,7 +8047,7 @@
           <a:p>
             <a:fld id="{4B0A7020-E4C6-40DD-9E69-0DC13C82416A}" type="datetime1">
               <a:rPr lang="en-GB" smtClean="0"/>
-              <a:t>16/10/2025</a:t>
+              <a:t>24/10/2025</a:t>
             </a:fld>
             <a:endParaRPr lang="en-GB" dirty="0"/>
           </a:p>
@@ -8327,7 +8327,7 @@
           <a:p>
             <a:fld id="{8E202B61-819F-4215-B495-E3A0EFD6EC07}" type="datetime1">
               <a:rPr lang="en-GB" smtClean="0"/>
-              <a:t>16/10/2025</a:t>
+              <a:t>24/10/2025</a:t>
             </a:fld>
             <a:endParaRPr lang="en-GB" dirty="0"/>
           </a:p>
@@ -8803,7 +8803,7 @@
           <a:p>
             <a:fld id="{86B9E15F-062C-43EE-BC48-353830617963}" type="datetime1">
               <a:rPr lang="en-GB" smtClean="0"/>
-              <a:t>16/10/2025</a:t>
+              <a:t>24/10/2025</a:t>
             </a:fld>
             <a:endParaRPr lang="en-GB" dirty="0"/>
           </a:p>
@@ -9083,7 +9083,7 @@
           <a:p>
             <a:fld id="{DAA18657-9DEE-4C6F-B402-5FA5E455182F}" type="datetime1">
               <a:rPr lang="en-GB" smtClean="0"/>
-              <a:t>16/10/2025</a:t>
+              <a:t>24/10/2025</a:t>
             </a:fld>
             <a:endParaRPr lang="en-GB" dirty="0"/>
           </a:p>
@@ -9363,7 +9363,7 @@
           <a:p>
             <a:fld id="{254704C0-6751-42CD-9A31-40B3572790F8}" type="datetime1">
               <a:rPr lang="en-GB" smtClean="0"/>
-              <a:t>16/10/2025</a:t>
+              <a:t>24/10/2025</a:t>
             </a:fld>
             <a:endParaRPr lang="en-GB" dirty="0"/>
           </a:p>
@@ -9627,7 +9627,7 @@
           <a:p>
             <a:fld id="{53A11063-EA65-485C-8301-8FA43B13787D}" type="datetime1">
               <a:rPr lang="en-GB" smtClean="0"/>
-              <a:t>16/10/2025</a:t>
+              <a:t>24/10/2025</a:t>
             </a:fld>
             <a:endParaRPr lang="en-GB"/>
           </a:p>
@@ -10015,7 +10015,7 @@
           <a:p>
             <a:fld id="{891233F8-046B-4A5C-9007-1F1AD2775381}" type="datetime1">
               <a:rPr lang="en-GB" smtClean="0"/>
-              <a:t>16/10/2025</a:t>
+              <a:t>24/10/2025</a:t>
             </a:fld>
             <a:endParaRPr lang="en-GB"/>
           </a:p>
@@ -10397,7 +10397,7 @@
           <a:p>
             <a:fld id="{509D0F34-3D43-4B8D-ADA4-14CCBB8EDF22}" type="datetime1">
               <a:rPr lang="en-GB" smtClean="0"/>
-              <a:t>16/10/2025</a:t>
+              <a:t>24/10/2025</a:t>
             </a:fld>
             <a:endParaRPr lang="en-GB"/>
           </a:p>
@@ -10769,7 +10769,7 @@
           <a:p>
             <a:fld id="{CC0B6343-0655-4443-A8B8-A4BAB6D8C07F}" type="datetime1">
               <a:rPr lang="en-GB" smtClean="0"/>
-              <a:t>16/10/2025</a:t>
+              <a:t>24/10/2025</a:t>
             </a:fld>
             <a:endParaRPr lang="en-GB"/>
           </a:p>
@@ -11176,7 +11176,7 @@
           <a:p>
             <a:fld id="{31F8F412-10EA-4CFB-B14E-09F2321FCDAD}" type="datetime1">
               <a:rPr lang="en-GB" smtClean="0"/>
-              <a:t>16/10/2025</a:t>
+              <a:t>24/10/2025</a:t>
             </a:fld>
             <a:endParaRPr lang="en-GB"/>
           </a:p>
@@ -11585,7 +11585,7 @@
           <a:p>
             <a:fld id="{4C573020-A5A2-4737-BF13-CE65F5A16124}" type="datetime1">
               <a:rPr lang="en-GB" smtClean="0"/>
-              <a:t>16/10/2025</a:t>
+              <a:t>24/10/2025</a:t>
             </a:fld>
             <a:endParaRPr lang="en-GB"/>
           </a:p>
@@ -11984,7 +11984,7 @@
           <a:p>
             <a:fld id="{7BCCFEAB-E41D-496F-89F1-067636B26939}" type="datetime1">
               <a:rPr lang="en-GB" smtClean="0"/>
-              <a:t>16/10/2025</a:t>
+              <a:t>24/10/2025</a:t>
             </a:fld>
             <a:endParaRPr lang="en-GB"/>
           </a:p>
@@ -12782,7 +12782,7 @@
           <a:p>
             <a:fld id="{235429AD-E80D-43F0-B8C4-A0437D212C50}" type="datetime1">
               <a:rPr lang="en-GB" smtClean="0"/>
-              <a:t>16/10/2025</a:t>
+              <a:t>24/10/2025</a:t>
             </a:fld>
             <a:endParaRPr lang="en-GB"/>
           </a:p>
@@ -13386,7 +13386,7 @@
           <a:p>
             <a:fld id="{5F4367D8-780F-4511-BB7C-6B1768D5D31D}" type="datetime1">
               <a:rPr lang="en-GB" smtClean="0"/>
-              <a:t>16/10/2025</a:t>
+              <a:t>24/10/2025</a:t>
             </a:fld>
             <a:endParaRPr lang="en-GB"/>
           </a:p>
@@ -13980,7 +13980,7 @@
           <a:p>
             <a:fld id="{8C8846E4-2B70-40A4-9433-835E504C5B78}" type="datetime1">
               <a:rPr lang="en-GB" smtClean="0"/>
-              <a:t>16/10/2025</a:t>
+              <a:t>24/10/2025</a:t>
             </a:fld>
             <a:endParaRPr lang="en-GB"/>
           </a:p>
@@ -14317,7 +14317,7 @@
           <a:p>
             <a:fld id="{493A7CCF-39F1-49A0-AEF4-5081CE998F77}" type="datetime1">
               <a:rPr lang="en-GB" smtClean="0"/>
-              <a:t>16/10/2025</a:t>
+              <a:t>24/10/2025</a:t>
             </a:fld>
             <a:endParaRPr lang="en-GB"/>
           </a:p>
@@ -14656,7 +14656,7 @@
           <a:p>
             <a:fld id="{3B57BA70-6322-43C1-94DC-D039B39CB1E5}" type="datetime1">
               <a:rPr lang="en-GB" smtClean="0"/>
-              <a:t>16/10/2025</a:t>
+              <a:t>24/10/2025</a:t>
             </a:fld>
             <a:endParaRPr lang="en-GB"/>
           </a:p>
@@ -14985,7 +14985,7 @@
           <a:p>
             <a:fld id="{6947DAFE-DBA1-4A09-A49F-E636C08D284D}" type="datetime1">
               <a:rPr lang="en-GB" smtClean="0"/>
-              <a:t>16/10/2025</a:t>
+              <a:t>24/10/2025</a:t>
             </a:fld>
             <a:endParaRPr lang="en-GB"/>
           </a:p>
@@ -15322,7 +15322,7 @@
           <a:p>
             <a:fld id="{8D0F3E9D-2DE3-4D5A-B05F-D877DED77C25}" type="datetime1">
               <a:rPr lang="en-GB" smtClean="0"/>
-              <a:t>16/10/2025</a:t>
+              <a:t>24/10/2025</a:t>
             </a:fld>
             <a:endParaRPr lang="en-GB"/>
           </a:p>
@@ -15661,7 +15661,7 @@
           <a:p>
             <a:fld id="{AD2A17EE-44C4-4272-8C98-5EA8DB2CCCF7}" type="datetime1">
               <a:rPr lang="en-GB" smtClean="0"/>
-              <a:t>16/10/2025</a:t>
+              <a:t>24/10/2025</a:t>
             </a:fld>
             <a:endParaRPr lang="en-GB"/>
           </a:p>
@@ -15990,7 +15990,7 @@
           <a:p>
             <a:fld id="{E6057D5B-8344-4F1A-A53D-3F06760A22EE}" type="datetime1">
               <a:rPr lang="en-GB" smtClean="0"/>
-              <a:t>16/10/2025</a:t>
+              <a:t>24/10/2025</a:t>
             </a:fld>
             <a:endParaRPr lang="en-GB"/>
           </a:p>
@@ -16228,7 +16228,7 @@
           <a:p>
             <a:fld id="{C79F500A-5FD8-4195-B64D-0864905B7984}" type="datetime1">
               <a:rPr lang="en-GB" smtClean="0"/>
-              <a:t>16/10/2025</a:t>
+              <a:t>24/10/2025</a:t>
             </a:fld>
             <a:endParaRPr lang="en-GB"/>
           </a:p>
@@ -16664,7 +16664,7 @@
           <a:p>
             <a:fld id="{FC423EE5-1C17-4720-B7BE-8168A6010685}" type="datetime1">
               <a:rPr lang="en-GB" smtClean="0"/>
-              <a:t>16/10/2025</a:t>
+              <a:t>24/10/2025</a:t>
             </a:fld>
             <a:endParaRPr lang="en-GB"/>
           </a:p>
@@ -17202,7 +17202,7 @@
           <a:p>
             <a:fld id="{3A4CB9A5-C3AC-4504-8448-61A4C8BF47B3}" type="datetime1">
               <a:rPr lang="en-GB" smtClean="0"/>
-              <a:t>16/10/2025</a:t>
+              <a:t>24/10/2025</a:t>
             </a:fld>
             <a:endParaRPr lang="en-GB"/>
           </a:p>
@@ -17481,7 +17481,7 @@
           <a:p>
             <a:fld id="{947FB866-F309-4A67-BBFB-24B323CE3DCA}" type="datetime1">
               <a:rPr lang="en-GB" smtClean="0"/>
-              <a:t>16/10/2025</a:t>
+              <a:t>24/10/2025</a:t>
             </a:fld>
             <a:endParaRPr lang="en-GB"/>
           </a:p>
@@ -17766,7 +17766,7 @@
           <a:p>
             <a:fld id="{BF7F0BEB-5319-417C-B3A4-624E5500047F}" type="datetime1">
               <a:rPr lang="en-GB" smtClean="0"/>
-              <a:t>16/10/2025</a:t>
+              <a:t>24/10/2025</a:t>
             </a:fld>
             <a:endParaRPr lang="en-GB"/>
           </a:p>
@@ -18059,7 +18059,7 @@
           <a:p>
             <a:fld id="{AD1C1943-ED58-4788-AEE8-DFB94F3B02E6}" type="datetime1">
               <a:rPr lang="en-GB" smtClean="0"/>
-              <a:t>16/10/2025</a:t>
+              <a:t>24/10/2025</a:t>
             </a:fld>
             <a:endParaRPr lang="en-GB"/>
           </a:p>
@@ -18476,7 +18476,7 @@
           <a:p>
             <a:fld id="{DBBF74BF-A73C-47DF-B6E5-A9970CAB19EA}" type="datetime1">
               <a:rPr lang="en-GB" smtClean="0"/>
-              <a:t>16/10/2025</a:t>
+              <a:t>24/10/2025</a:t>
             </a:fld>
             <a:endParaRPr lang="en-GB" dirty="0"/>
           </a:p>
@@ -19264,7 +19264,7 @@
           <a:p>
             <a:fld id="{C718BC38-C27E-42ED-B708-4E08619BA91D}" type="datetime1">
               <a:rPr lang="en-GB" smtClean="0"/>
-              <a:t>16/10/2025</a:t>
+              <a:t>24/10/2025</a:t>
             </a:fld>
             <a:endParaRPr lang="en-GB"/>
           </a:p>
@@ -19599,7 +19599,7 @@
           <a:p>
             <a:fld id="{D61E177E-917F-4329-8599-0FCAC72F92F2}" type="datetime1">
               <a:rPr lang="en-GB" smtClean="0"/>
-              <a:t>16/10/2025</a:t>
+              <a:t>24/10/2025</a:t>
             </a:fld>
             <a:endParaRPr lang="en-GB"/>
           </a:p>
@@ -19922,7 +19922,7 @@
           <a:p>
             <a:fld id="{80893C79-CCCD-4BDD-989B-0A3D05D1E3C5}" type="datetime1">
               <a:rPr lang="en-GB" smtClean="0"/>
-              <a:t>16/10/2025</a:t>
+              <a:t>24/10/2025</a:t>
             </a:fld>
             <a:endParaRPr lang="en-GB"/>
           </a:p>
@@ -20088,7 +20088,7 @@
           <a:p>
             <a:fld id="{BBEFB9E1-F59E-4B1E-AB8B-98B6DECF71D9}" type="datetime1">
               <a:rPr lang="en-GB" smtClean="0"/>
-              <a:t>16/10/2025</a:t>
+              <a:t>24/10/2025</a:t>
             </a:fld>
             <a:endParaRPr lang="en-GB"/>
           </a:p>
@@ -20256,23 +20256,25 @@
             </a:pPr>
             <a:r>
               <a:rPr lang="en-GB" sz="2600" dirty="0"/>
-              <a:t>The link is </a:t>
-            </a:r>
-            <a:r>
-              <a:rPr lang="en-GB" sz="2600" b="0" i="0" u="sng" dirty="0">
+              <a:t>The link </a:t>
+            </a:r>
+            <a:r>
+              <a:rPr lang="en-GB" sz="2600"/>
+              <a:t>is </a:t>
+            </a:r>
+            <a:r>
+              <a:rPr lang="en-GB" sz="2600" u="sng">
                 <a:solidFill>
                   <a:srgbClr val="0563C1"/>
                 </a:solidFill>
-                <a:effectLst/>
                 <a:hlinkClick r:id="rId3"/>
               </a:rPr>
-              <a:t>https://tinyurl.com/feedback-rcds</a:t>
-            </a:r>
-            <a:endParaRPr lang="en-GB" sz="2600" b="0" i="0" u="sng" dirty="0">
+              <a:t>https://ecri.short.gy/feedback-rcds</a:t>
+            </a:r>
+            <a:endParaRPr lang="en-GB" sz="2600" u="sng">
               <a:solidFill>
                 <a:srgbClr val="0563C1"/>
               </a:solidFill>
-              <a:effectLst/>
             </a:endParaRPr>
           </a:p>
           <a:p>
@@ -20281,8 +20283,12 @@
               <a:buChar char="•"/>
             </a:pPr>
             <a:r>
+              <a:rPr lang="en-GB" sz="2600"/>
+              <a:t>You </a:t>
+            </a:r>
+            <a:r>
               <a:rPr lang="en-GB" sz="2600" dirty="0"/>
-              <a:t>You should also have received an email with this link</a:t>
+              <a:t>should also have received an email with this link</a:t>
             </a:r>
           </a:p>
           <a:p>

--- a/Introduction to AI Assisted Programming Slides.pptx
+++ b/Introduction to AI Assisted Programming Slides.pptx
@@ -5,7 +5,7 @@
     <p:sldMasterId id="2147483648" r:id="rId1"/>
   </p:sldMasterIdLst>
   <p:notesMasterIdLst>
-    <p:notesMasterId r:id="rId9"/>
+    <p:notesMasterId r:id="rId8"/>
   </p:notesMasterIdLst>
   <p:sldIdLst>
     <p:sldId id="326" r:id="rId2"/>
@@ -13,8 +13,7 @@
     <p:sldId id="361" r:id="rId4"/>
     <p:sldId id="408" r:id="rId5"/>
     <p:sldId id="359" r:id="rId6"/>
-    <p:sldId id="406" r:id="rId7"/>
-    <p:sldId id="279" r:id="rId8"/>
+    <p:sldId id="279" r:id="rId7"/>
   </p:sldIdLst>
   <p:sldSz cx="12192000" cy="6858000"/>
   <p:notesSz cx="6858000" cy="9144000"/>
@@ -147,8 +146,8 @@
 <pc:chgInfo xmlns:a="http://schemas.openxmlformats.org/drawingml/2006/main" xmlns:r="http://schemas.openxmlformats.org/officeDocument/2006/relationships" xmlns:ac="http://schemas.microsoft.com/office/drawing/2013/main/command" xmlns:pc="http://schemas.microsoft.com/office/powerpoint/2013/main/command">
   <pc:docChgLst>
     <pc:chgData name="Cooling, Chris" userId="6dcf99c9-2ba5-410a-8445-0893a3d1421f" providerId="ADAL" clId="{4A035382-9336-4654-9ECC-B7F3E1F3B18A}"/>
-    <pc:docChg chg="custSel modSld">
-      <pc:chgData name="Cooling, Chris" userId="6dcf99c9-2ba5-410a-8445-0893a3d1421f" providerId="ADAL" clId="{4A035382-9336-4654-9ECC-B7F3E1F3B18A}" dt="2025-10-24T08:50:54.670" v="7" actId="20577"/>
+    <pc:docChg chg="custSel delSld modSld">
+      <pc:chgData name="Cooling, Chris" userId="6dcf99c9-2ba5-410a-8445-0893a3d1421f" providerId="ADAL" clId="{4A035382-9336-4654-9ECC-B7F3E1F3B18A}" dt="2025-10-24T10:06:20.424" v="8" actId="47"/>
       <pc:docMkLst>
         <pc:docMk/>
       </pc:docMkLst>
@@ -174,6 +173,13 @@
             <ac:picMk id="10" creationId="{E59F772E-8D41-7413-21DF-82FA14373829}"/>
           </ac:picMkLst>
         </pc:picChg>
+      </pc:sldChg>
+      <pc:sldChg chg="del">
+        <pc:chgData name="Cooling, Chris" userId="6dcf99c9-2ba5-410a-8445-0893a3d1421f" providerId="ADAL" clId="{4A035382-9336-4654-9ECC-B7F3E1F3B18A}" dt="2025-10-24T10:06:20.424" v="8" actId="47"/>
+        <pc:sldMkLst>
+          <pc:docMk/>
+          <pc:sldMk cId="3543295302" sldId="406"/>
+        </pc:sldMkLst>
       </pc:sldChg>
     </pc:docChg>
   </pc:docChgLst>
@@ -752,97 +758,6 @@
     <p:extLst>
       <p:ext uri="{BB962C8B-B14F-4D97-AF65-F5344CB8AC3E}">
         <p14:creationId xmlns:p14="http://schemas.microsoft.com/office/powerpoint/2010/main" val="328910392"/>
-      </p:ext>
-    </p:extLst>
-  </p:cSld>
-  <p:clrMapOvr>
-    <a:masterClrMapping/>
-  </p:clrMapOvr>
-</p:notes>
-</file>
-
-<file path=ppt/notesSlides/notesSlide3.xml><?xml version="1.0" encoding="utf-8"?>
-<p:notes xmlns:a="http://schemas.openxmlformats.org/drawingml/2006/main" xmlns:r="http://schemas.openxmlformats.org/officeDocument/2006/relationships" xmlns:p="http://schemas.openxmlformats.org/presentationml/2006/main">
-  <p:cSld>
-    <p:spTree>
-      <p:nvGrpSpPr>
-        <p:cNvPr id="1" name=""/>
-        <p:cNvGrpSpPr/>
-        <p:nvPr/>
-      </p:nvGrpSpPr>
-      <p:grpSpPr>
-        <a:xfrm>
-          <a:off x="0" y="0"/>
-          <a:ext cx="0" cy="0"/>
-          <a:chOff x="0" y="0"/>
-          <a:chExt cx="0" cy="0"/>
-        </a:xfrm>
-      </p:grpSpPr>
-      <p:sp>
-        <p:nvSpPr>
-          <p:cNvPr id="2" name="Slide Image Placeholder 1"/>
-          <p:cNvSpPr>
-            <a:spLocks noGrp="1" noRot="1" noChangeAspect="1"/>
-          </p:cNvSpPr>
-          <p:nvPr>
-            <p:ph type="sldImg"/>
-          </p:nvPr>
-        </p:nvSpPr>
-        <p:spPr/>
-      </p:sp>
-      <p:sp>
-        <p:nvSpPr>
-          <p:cNvPr id="3" name="Notes Placeholder 2"/>
-          <p:cNvSpPr>
-            <a:spLocks noGrp="1"/>
-          </p:cNvSpPr>
-          <p:nvPr>
-            <p:ph type="body" idx="1"/>
-          </p:nvPr>
-        </p:nvSpPr>
-        <p:spPr/>
-        <p:txBody>
-          <a:bodyPr/>
-          <a:lstStyle/>
-          <a:p>
-            <a:r>
-              <a:rPr lang="en-GB" dirty="0"/>
-              <a:t>Remove after </a:t>
-            </a:r>
-            <a:r>
-              <a:rPr lang="en-GB"/>
-              <a:t>PRES closes</a:t>
-            </a:r>
-          </a:p>
-        </p:txBody>
-      </p:sp>
-      <p:sp>
-        <p:nvSpPr>
-          <p:cNvPr id="4" name="Slide Number Placeholder 3"/>
-          <p:cNvSpPr>
-            <a:spLocks noGrp="1"/>
-          </p:cNvSpPr>
-          <p:nvPr>
-            <p:ph type="sldNum" sz="quarter" idx="5"/>
-          </p:nvPr>
-        </p:nvSpPr>
-        <p:spPr/>
-        <p:txBody>
-          <a:bodyPr/>
-          <a:lstStyle/>
-          <a:p>
-            <a:fld id="{877663E2-27CE-4C79-91D3-7F5C4262D57F}" type="slidenum">
-              <a:rPr lang="en-US" smtClean="0"/>
-              <a:t>6</a:t>
-            </a:fld>
-            <a:endParaRPr lang="en-US"/>
-          </a:p>
-        </p:txBody>
-      </p:sp>
-    </p:spTree>
-    <p:extLst>
-      <p:ext uri="{BB962C8B-B14F-4D97-AF65-F5344CB8AC3E}">
-        <p14:creationId xmlns:p14="http://schemas.microsoft.com/office/powerpoint/2010/main" val="2593689646"/>
       </p:ext>
     </p:extLst>
   </p:cSld>
@@ -20359,282 +20274,6 @@
 </file>
 
 <file path=ppt/slides/slide6.xml><?xml version="1.0" encoding="utf-8"?>
-<p:sld xmlns:a="http://schemas.openxmlformats.org/drawingml/2006/main" xmlns:r="http://schemas.openxmlformats.org/officeDocument/2006/relationships" xmlns:p="http://schemas.openxmlformats.org/presentationml/2006/main">
-  <p:cSld>
-    <p:spTree>
-      <p:nvGrpSpPr>
-        <p:cNvPr id="1" name=""/>
-        <p:cNvGrpSpPr/>
-        <p:nvPr/>
-      </p:nvGrpSpPr>
-      <p:grpSpPr>
-        <a:xfrm>
-          <a:off x="0" y="0"/>
-          <a:ext cx="0" cy="0"/>
-          <a:chOff x="0" y="0"/>
-          <a:chExt cx="0" cy="0"/>
-        </a:xfrm>
-      </p:grpSpPr>
-      <p:sp>
-        <p:nvSpPr>
-          <p:cNvPr id="2" name="Title 1">
-            <a:extLst>
-              <a:ext uri="{FF2B5EF4-FFF2-40B4-BE49-F238E27FC236}">
-                <a16:creationId xmlns:a16="http://schemas.microsoft.com/office/drawing/2014/main" id="{E1AC92A0-DAFD-2CE4-F5BD-315A0135CDD6}"/>
-              </a:ext>
-            </a:extLst>
-          </p:cNvPr>
-          <p:cNvSpPr>
-            <a:spLocks noGrp="1"/>
-          </p:cNvSpPr>
-          <p:nvPr>
-            <p:ph type="ctrTitle"/>
-          </p:nvPr>
-        </p:nvSpPr>
-        <p:spPr>
-          <a:xfrm>
-            <a:off x="330200" y="1864819"/>
-            <a:ext cx="4742772" cy="1828800"/>
-          </a:xfrm>
-        </p:spPr>
-        <p:txBody>
-          <a:bodyPr/>
-          <a:lstStyle/>
-          <a:p>
-            <a:r>
-              <a:rPr lang="en-US" dirty="0">
-                <a:solidFill>
-                  <a:srgbClr val="98FB98"/>
-                </a:solidFill>
-              </a:rPr>
-              <a:t>PRES 2025</a:t>
-            </a:r>
-          </a:p>
-        </p:txBody>
-      </p:sp>
-      <p:sp>
-        <p:nvSpPr>
-          <p:cNvPr id="3" name="Text Placeholder 2">
-            <a:extLst>
-              <a:ext uri="{FF2B5EF4-FFF2-40B4-BE49-F238E27FC236}">
-                <a16:creationId xmlns:a16="http://schemas.microsoft.com/office/drawing/2014/main" id="{0B6972F5-B010-8428-D0AA-F619C83E71DE}"/>
-              </a:ext>
-            </a:extLst>
-          </p:cNvPr>
-          <p:cNvSpPr>
-            <a:spLocks noGrp="1"/>
-          </p:cNvSpPr>
-          <p:nvPr>
-            <p:ph type="body" sz="quarter" idx="4294967295"/>
-          </p:nvPr>
-        </p:nvSpPr>
-        <p:spPr>
-          <a:xfrm>
-            <a:off x="330200" y="5878513"/>
-            <a:ext cx="5606257" cy="652463"/>
-          </a:xfrm>
-        </p:spPr>
-        <p:txBody>
-          <a:bodyPr/>
-          <a:lstStyle/>
-          <a:p>
-            <a:r>
-              <a:rPr lang="en-US" dirty="0"/>
-              <a:t>Presentation Title</a:t>
-            </a:r>
-          </a:p>
-          <a:p>
-            <a:r>
-              <a:rPr lang="en-US" dirty="0"/>
-              <a:t>DD/MM/YYYY</a:t>
-            </a:r>
-          </a:p>
-        </p:txBody>
-      </p:sp>
-      <p:pic>
-        <p:nvPicPr>
-          <p:cNvPr id="4" name="Picture 3">
-            <a:extLst>
-              <a:ext uri="{FF2B5EF4-FFF2-40B4-BE49-F238E27FC236}">
-                <a16:creationId xmlns:a16="http://schemas.microsoft.com/office/drawing/2014/main" id="{A18BDFF0-9D53-5DAB-3700-2938EAF96CEE}"/>
-              </a:ext>
-            </a:extLst>
-          </p:cNvPr>
-          <p:cNvPicPr>
-            <a:picLocks noChangeAspect="1"/>
-          </p:cNvPicPr>
-          <p:nvPr/>
-        </p:nvPicPr>
-        <p:blipFill>
-          <a:blip r:embed="rId3" cstate="print">
-            <a:extLst>
-              <a:ext uri="{28A0092B-C50C-407E-A947-70E740481C1C}">
-                <a14:useLocalDpi xmlns:a14="http://schemas.microsoft.com/office/drawing/2010/main" val="0"/>
-              </a:ext>
-            </a:extLst>
-          </a:blip>
-          <a:stretch>
-            <a:fillRect/>
-          </a:stretch>
-        </p:blipFill>
-        <p:spPr>
-          <a:xfrm>
-            <a:off x="9169653" y="417970"/>
-            <a:ext cx="2448272" cy="1446849"/>
-          </a:xfrm>
-          <a:prstGeom prst="rect">
-            <a:avLst/>
-          </a:prstGeom>
-          <a:solidFill>
-            <a:srgbClr val="98FB98"/>
-          </a:solidFill>
-          <a:effectLst>
-            <a:outerShdw blurRad="50800" dist="50800" dir="5400000" algn="ctr" rotWithShape="0">
-              <a:srgbClr val="98FB98"/>
-            </a:outerShdw>
-          </a:effectLst>
-        </p:spPr>
-      </p:pic>
-      <p:sp>
-        <p:nvSpPr>
-          <p:cNvPr id="6" name="Title 1">
-            <a:extLst>
-              <a:ext uri="{FF2B5EF4-FFF2-40B4-BE49-F238E27FC236}">
-                <a16:creationId xmlns:a16="http://schemas.microsoft.com/office/drawing/2014/main" id="{0742163F-282C-50FB-3BC2-3BC83316980D}"/>
-              </a:ext>
-            </a:extLst>
-          </p:cNvPr>
-          <p:cNvSpPr txBox="1">
-            <a:spLocks/>
-          </p:cNvSpPr>
-          <p:nvPr/>
-        </p:nvSpPr>
-        <p:spPr>
-          <a:xfrm>
-            <a:off x="399472" y="4079052"/>
-            <a:ext cx="11376891" cy="1828800"/>
-          </a:xfrm>
-          <a:prstGeom prst="rect">
-            <a:avLst/>
-          </a:prstGeom>
-        </p:spPr>
-        <p:txBody>
-          <a:bodyPr vert="horz" lIns="0" tIns="0" rIns="0" bIns="0" rtlCol="0" anchor="t">
-            <a:noAutofit/>
-          </a:bodyPr>
-          <a:lstStyle>
-            <a:lvl1pPr algn="l" defTabSz="685765" rtl="0" eaLnBrk="1" latinLnBrk="0" hangingPunct="1">
-              <a:lnSpc>
-                <a:spcPct val="90000"/>
-              </a:lnSpc>
-              <a:spcBef>
-                <a:spcPct val="0"/>
-              </a:spcBef>
-              <a:buNone/>
-              <a:defRPr sz="6400" b="1" kern="1200">
-                <a:solidFill>
-                  <a:srgbClr val="98FB98"/>
-                </a:solidFill>
-                <a:latin typeface="+mj-lt"/>
-                <a:ea typeface="+mj-ea"/>
-                <a:cs typeface="+mj-cs"/>
-              </a:defRPr>
-            </a:lvl1pPr>
-          </a:lstStyle>
-          <a:p>
-            <a:pPr marL="342900" indent="-342900">
-              <a:lnSpc>
-                <a:spcPct val="100000"/>
-              </a:lnSpc>
-              <a:buFont typeface="Arial" panose="020B0604020202020204" pitchFamily="34" charset="0"/>
-              <a:buChar char="•"/>
-            </a:pPr>
-            <a:r>
-              <a:rPr lang="en-US" sz="2000" dirty="0"/>
-              <a:t>Coming in 2025 - PRES is a national survey for research degree students</a:t>
-            </a:r>
-          </a:p>
-          <a:p>
-            <a:pPr marL="342900" indent="-342900">
-              <a:lnSpc>
-                <a:spcPct val="100000"/>
-              </a:lnSpc>
-              <a:buFont typeface="Arial" panose="020B0604020202020204" pitchFamily="34" charset="0"/>
-              <a:buChar char="•"/>
-            </a:pPr>
-            <a:endParaRPr lang="en-US" sz="2000" dirty="0"/>
-          </a:p>
-          <a:p>
-            <a:pPr marL="342900" indent="-342900">
-              <a:lnSpc>
-                <a:spcPct val="100000"/>
-              </a:lnSpc>
-              <a:buFont typeface="Arial" panose="020B0604020202020204" pitchFamily="34" charset="0"/>
-              <a:buChar char="•"/>
-            </a:pPr>
-            <a:r>
-              <a:rPr lang="en-US" sz="2000" dirty="0"/>
-              <a:t>Find out more about the action we have taken in response to the previous PRES: </a:t>
-            </a:r>
-          </a:p>
-          <a:p>
-            <a:pPr marL="342900" indent="-342900">
-              <a:lnSpc>
-                <a:spcPct val="100000"/>
-              </a:lnSpc>
-              <a:buFont typeface="Arial" panose="020B0604020202020204" pitchFamily="34" charset="0"/>
-              <a:buChar char="•"/>
-            </a:pPr>
-            <a:endParaRPr lang="en-US" sz="2000" dirty="0"/>
-          </a:p>
-          <a:p>
-            <a:pPr marL="342900" indent="-342900">
-              <a:lnSpc>
-                <a:spcPct val="100000"/>
-              </a:lnSpc>
-              <a:buFont typeface="Arial" panose="020B0604020202020204" pitchFamily="34" charset="0"/>
-              <a:buChar char="•"/>
-            </a:pPr>
-            <a:r>
-              <a:rPr lang="en-US" sz="2000" dirty="0">
-                <a:solidFill>
-                  <a:srgbClr val="EE82EE"/>
-                </a:solidFill>
-                <a:hlinkClick r:id="rId4">
-                  <a:extLst>
-                    <a:ext uri="{A12FA001-AC4F-418D-AE19-62706E023703}">
-                      <ahyp:hlinkClr xmlns:ahyp="http://schemas.microsoft.com/office/drawing/2018/hyperlinkcolor" val="tx"/>
-                    </a:ext>
-                  </a:extLst>
-                </a:hlinkClick>
-              </a:rPr>
-              <a:t>Postgraduate Research Experience Survey (PRES) | Current students | Imperial College London</a:t>
-            </a:r>
-            <a:endParaRPr lang="en-US" sz="2000" dirty="0">
-              <a:solidFill>
-                <a:srgbClr val="EE82EE"/>
-              </a:solidFill>
-            </a:endParaRPr>
-          </a:p>
-        </p:txBody>
-      </p:sp>
-    </p:spTree>
-    <p:extLst>
-      <p:ext uri="{BB962C8B-B14F-4D97-AF65-F5344CB8AC3E}">
-        <p14:creationId xmlns:p14="http://schemas.microsoft.com/office/powerpoint/2010/main" val="3543295302"/>
-      </p:ext>
-    </p:extLst>
-  </p:cSld>
-  <p:clrMapOvr>
-    <a:masterClrMapping/>
-  </p:clrMapOvr>
-  <p:transition>
-    <p:fade/>
-  </p:transition>
-</p:sld>
-</file>
-
-<file path=ppt/slides/slide7.xml><?xml version="1.0" encoding="utf-8"?>
 <p:sld xmlns:a="http://schemas.openxmlformats.org/drawingml/2006/main" xmlns:r="http://schemas.openxmlformats.org/officeDocument/2006/relationships" xmlns:p="http://schemas.openxmlformats.org/presentationml/2006/main">
   <p:cSld>
     <p:spTree>
